--- a/presentations/2025-04-DaVinci/Event/Reliable Questionnaire Population.pptx
+++ b/presentations/2025-04-DaVinci/Event/Reliable Questionnaire Population.pptx
@@ -5155,48 +5155,6 @@
               <a:t>10</a:t>
             </a:fld>
             <a:endParaRPr lang="en-CA"/>
-          </a:p>
-        </p:txBody>
-      </p:sp>
-      <p:sp>
-        <p:nvSpPr>
-          <p:cNvPr id="6" name="TextBox 5">
-            <a:extLst>
-              <a:ext uri="{FF2B5EF4-FFF2-40B4-BE49-F238E27FC236}">
-                <a16:creationId xmlns:a16="http://schemas.microsoft.com/office/drawing/2014/main" id="{FBA8520D-E607-5373-D905-FF0A6389E1EF}"/>
-              </a:ext>
-            </a:extLst>
-          </p:cNvPr>
-          <p:cNvSpPr txBox="1"/>
-          <p:nvPr/>
-        </p:nvSpPr>
-        <p:spPr>
-          <a:xfrm>
-            <a:off x="3048000" y="3275112"/>
-            <a:ext cx="6096000" cy="307777"/>
-          </a:xfrm>
-          <a:prstGeom prst="rect">
-            <a:avLst/>
-          </a:prstGeom>
-          <a:noFill/>
-        </p:spPr>
-        <p:txBody>
-          <a:bodyPr wrap="square">
-            <a:spAutoFit/>
-          </a:bodyPr>
-          <a:lstStyle/>
-          <a:p>
-            <a:r>
-              <a:rPr lang="en-CA" b="0" i="0" dirty="0">
-                <a:solidFill>
-                  <a:srgbClr val="333333"/>
-                </a:solidFill>
-                <a:effectLst/>
-                <a:latin typeface="ParagraphSymbols"/>
-              </a:rPr>
-              <a:t>https://www.federalregister.gov/d/2024-00895/p-2267</a:t>
-            </a:r>
-            <a:endParaRPr lang="en-CA" dirty="0"/>
           </a:p>
         </p:txBody>
       </p:sp>
@@ -7484,6 +7442,15 @@
 </file>
 
 <file path=customXml/item1.xml><?xml version="1.0" encoding="utf-8"?>
+<?mso-contentType ?>
+<FormTemplates xmlns="http://schemas.microsoft.com/sharepoint/v3/contenttype/forms">
+  <Display>DocumentLibraryForm</Display>
+  <Edit>DocumentLibraryForm</Edit>
+  <New>DocumentLibraryForm</New>
+</FormTemplates>
+</file>
+
+<file path=customXml/item2.xml><?xml version="1.0" encoding="utf-8"?>
 <p:properties xmlns:p="http://schemas.microsoft.com/office/2006/metadata/properties" xmlns:xsi="http://www.w3.org/2001/XMLSchema-instance" xmlns:pc="http://schemas.microsoft.com/office/infopath/2007/PartnerControls">
   <documentManagement>
     <SharedWithUsers xmlns="cf5a87e6-8225-499d-8aa7-664ff23f0528">
@@ -7539,15 +7506,6 @@
     </lcf76f155ced4ddcb4097134ff3c332f>
   </documentManagement>
 </p:properties>
-</file>
-
-<file path=customXml/item2.xml><?xml version="1.0" encoding="utf-8"?>
-<?mso-contentType ?>
-<FormTemplates xmlns="http://schemas.microsoft.com/sharepoint/v3/contenttype/forms">
-  <Display>DocumentLibraryForm</Display>
-  <Edit>DocumentLibraryForm</Edit>
-  <New>DocumentLibraryForm</New>
-</FormTemplates>
 </file>
 
 <file path=customXml/item3.xml><?xml version="1.0" encoding="utf-8"?>
@@ -7806,6 +7764,14 @@
 </file>
 
 <file path=customXml/itemProps1.xml><?xml version="1.0" encoding="utf-8"?>
+<ds:datastoreItem xmlns:ds="http://schemas.openxmlformats.org/officeDocument/2006/customXml" ds:itemID="{0BA6B2E7-CD55-478D-BEC8-4794A5943CF4}">
+  <ds:schemaRefs>
+    <ds:schemaRef ds:uri="http://schemas.microsoft.com/sharepoint/v3/contenttype/forms"/>
+  </ds:schemaRefs>
+</ds:datastoreItem>
+</file>
+
+<file path=customXml/itemProps2.xml><?xml version="1.0" encoding="utf-8"?>
 <ds:datastoreItem xmlns:ds="http://schemas.openxmlformats.org/officeDocument/2006/customXml" ds:itemID="{ABC3541C-51DD-43E3-8C9A-56AC6823A20C}">
   <ds:schemaRefs>
     <ds:schemaRef ds:uri="9f94fe76-4e69-4a06-93ce-361b54a8e543"/>
@@ -7818,14 +7784,6 @@
     <ds:schemaRef ds:uri="http://schemas.microsoft.com/office/infopath/2007/PartnerControls"/>
     <ds:schemaRef ds:uri="http://schemas.openxmlformats.org/package/2006/metadata/core-properties"/>
     <ds:schemaRef ds:uri="http://www.w3.org/XML/1998/namespace"/>
-  </ds:schemaRefs>
-</ds:datastoreItem>
-</file>
-
-<file path=customXml/itemProps2.xml><?xml version="1.0" encoding="utf-8"?>
-<ds:datastoreItem xmlns:ds="http://schemas.openxmlformats.org/officeDocument/2006/customXml" ds:itemID="{0BA6B2E7-CD55-478D-BEC8-4794A5943CF4}">
-  <ds:schemaRefs>
-    <ds:schemaRef ds:uri="http://schemas.microsoft.com/sharepoint/v3/contenttype/forms"/>
   </ds:schemaRefs>
 </ds:datastoreItem>
 </file>

--- a/presentations/2025-04-DaVinci/Event/Reliable Questionnaire Population.pptx
+++ b/presentations/2025-04-DaVinci/Event/Reliable Questionnaire Population.pptx
@@ -18,9 +18,9 @@
     <p:sldId id="265" r:id="rId12"/>
     <p:sldId id="267" r:id="rId13"/>
     <p:sldId id="266" r:id="rId14"/>
-    <p:sldId id="260" r:id="rId15"/>
+    <p:sldId id="268" r:id="rId15"/>
     <p:sldId id="269" r:id="rId16"/>
-    <p:sldId id="268" r:id="rId17"/>
+    <p:sldId id="260" r:id="rId17"/>
   </p:sldIdLst>
   <p:sldSz cx="12192000" cy="6858000"/>
   <p:notesSz cx="7010400" cy="9296400"/>
@@ -4978,6 +4978,286 @@
           </a:p>
         </p:txBody>
       </p:sp>
+      <p:sp>
+        <p:nvSpPr>
+          <p:cNvPr id="2" name="TextBox 1">
+            <a:extLst>
+              <a:ext uri="{FF2B5EF4-FFF2-40B4-BE49-F238E27FC236}">
+                <a16:creationId xmlns:a16="http://schemas.microsoft.com/office/drawing/2014/main" id="{20F93EE2-3908-EB8B-033B-FB1D49BC9A31}"/>
+              </a:ext>
+            </a:extLst>
+          </p:cNvPr>
+          <p:cNvSpPr txBox="1"/>
+          <p:nvPr/>
+        </p:nvSpPr>
+        <p:spPr>
+          <a:xfrm>
+            <a:off x="4585486" y="4348560"/>
+            <a:ext cx="6513689" cy="1169551"/>
+          </a:xfrm>
+          <a:prstGeom prst="rect">
+            <a:avLst/>
+          </a:prstGeom>
+          <a:noFill/>
+        </p:spPr>
+        <p:txBody>
+          <a:bodyPr wrap="square" rtlCol="0">
+            <a:spAutoFit/>
+          </a:bodyPr>
+          <a:lstStyle>
+            <a:defPPr marR="0" lvl="0" algn="l" rtl="0">
+              <a:lnSpc>
+                <a:spcPct val="100000"/>
+              </a:lnSpc>
+              <a:spcBef>
+                <a:spcPts val="0"/>
+              </a:spcBef>
+              <a:spcAft>
+                <a:spcPts val="0"/>
+              </a:spcAft>
+            </a:defPPr>
+            <a:lvl1pPr marR="0" lvl="0" algn="l" rtl="0">
+              <a:lnSpc>
+                <a:spcPct val="100000"/>
+              </a:lnSpc>
+              <a:spcBef>
+                <a:spcPts val="0"/>
+              </a:spcBef>
+              <a:spcAft>
+                <a:spcPts val="0"/>
+              </a:spcAft>
+              <a:buClr>
+                <a:srgbClr val="000000"/>
+              </a:buClr>
+              <a:buFont typeface="Arial"/>
+              <a:defRPr sz="1400" b="0" i="0" u="none" strike="noStrike" cap="none">
+                <a:solidFill>
+                  <a:srgbClr val="000000"/>
+                </a:solidFill>
+                <a:latin typeface="Arial"/>
+                <a:ea typeface="Arial"/>
+                <a:cs typeface="Arial"/>
+                <a:sym typeface="Arial"/>
+              </a:defRPr>
+            </a:lvl1pPr>
+            <a:lvl2pPr marR="0" lvl="1" algn="l" rtl="0">
+              <a:lnSpc>
+                <a:spcPct val="100000"/>
+              </a:lnSpc>
+              <a:spcBef>
+                <a:spcPts val="0"/>
+              </a:spcBef>
+              <a:spcAft>
+                <a:spcPts val="0"/>
+              </a:spcAft>
+              <a:buClr>
+                <a:srgbClr val="000000"/>
+              </a:buClr>
+              <a:buFont typeface="Arial"/>
+              <a:defRPr sz="1400" b="0" i="0" u="none" strike="noStrike" cap="none">
+                <a:solidFill>
+                  <a:srgbClr val="000000"/>
+                </a:solidFill>
+                <a:latin typeface="Arial"/>
+                <a:ea typeface="Arial"/>
+                <a:cs typeface="Arial"/>
+                <a:sym typeface="Arial"/>
+              </a:defRPr>
+            </a:lvl2pPr>
+            <a:lvl3pPr marR="0" lvl="2" algn="l" rtl="0">
+              <a:lnSpc>
+                <a:spcPct val="100000"/>
+              </a:lnSpc>
+              <a:spcBef>
+                <a:spcPts val="0"/>
+              </a:spcBef>
+              <a:spcAft>
+                <a:spcPts val="0"/>
+              </a:spcAft>
+              <a:buClr>
+                <a:srgbClr val="000000"/>
+              </a:buClr>
+              <a:buFont typeface="Arial"/>
+              <a:defRPr sz="1400" b="0" i="0" u="none" strike="noStrike" cap="none">
+                <a:solidFill>
+                  <a:srgbClr val="000000"/>
+                </a:solidFill>
+                <a:latin typeface="Arial"/>
+                <a:ea typeface="Arial"/>
+                <a:cs typeface="Arial"/>
+                <a:sym typeface="Arial"/>
+              </a:defRPr>
+            </a:lvl3pPr>
+            <a:lvl4pPr marR="0" lvl="3" algn="l" rtl="0">
+              <a:lnSpc>
+                <a:spcPct val="100000"/>
+              </a:lnSpc>
+              <a:spcBef>
+                <a:spcPts val="0"/>
+              </a:spcBef>
+              <a:spcAft>
+                <a:spcPts val="0"/>
+              </a:spcAft>
+              <a:buClr>
+                <a:srgbClr val="000000"/>
+              </a:buClr>
+              <a:buFont typeface="Arial"/>
+              <a:defRPr sz="1400" b="0" i="0" u="none" strike="noStrike" cap="none">
+                <a:solidFill>
+                  <a:srgbClr val="000000"/>
+                </a:solidFill>
+                <a:latin typeface="Arial"/>
+                <a:ea typeface="Arial"/>
+                <a:cs typeface="Arial"/>
+                <a:sym typeface="Arial"/>
+              </a:defRPr>
+            </a:lvl4pPr>
+            <a:lvl5pPr marR="0" lvl="4" algn="l" rtl="0">
+              <a:lnSpc>
+                <a:spcPct val="100000"/>
+              </a:lnSpc>
+              <a:spcBef>
+                <a:spcPts val="0"/>
+              </a:spcBef>
+              <a:spcAft>
+                <a:spcPts val="0"/>
+              </a:spcAft>
+              <a:buClr>
+                <a:srgbClr val="000000"/>
+              </a:buClr>
+              <a:buFont typeface="Arial"/>
+              <a:defRPr sz="1400" b="0" i="0" u="none" strike="noStrike" cap="none">
+                <a:solidFill>
+                  <a:srgbClr val="000000"/>
+                </a:solidFill>
+                <a:latin typeface="Arial"/>
+                <a:ea typeface="Arial"/>
+                <a:cs typeface="Arial"/>
+                <a:sym typeface="Arial"/>
+              </a:defRPr>
+            </a:lvl5pPr>
+            <a:lvl6pPr marR="0" lvl="5" algn="l" rtl="0">
+              <a:lnSpc>
+                <a:spcPct val="100000"/>
+              </a:lnSpc>
+              <a:spcBef>
+                <a:spcPts val="0"/>
+              </a:spcBef>
+              <a:spcAft>
+                <a:spcPts val="0"/>
+              </a:spcAft>
+              <a:buClr>
+                <a:srgbClr val="000000"/>
+              </a:buClr>
+              <a:buFont typeface="Arial"/>
+              <a:defRPr sz="1400" b="0" i="0" u="none" strike="noStrike" cap="none">
+                <a:solidFill>
+                  <a:srgbClr val="000000"/>
+                </a:solidFill>
+                <a:latin typeface="Arial"/>
+                <a:ea typeface="Arial"/>
+                <a:cs typeface="Arial"/>
+                <a:sym typeface="Arial"/>
+              </a:defRPr>
+            </a:lvl6pPr>
+            <a:lvl7pPr marR="0" lvl="6" algn="l" rtl="0">
+              <a:lnSpc>
+                <a:spcPct val="100000"/>
+              </a:lnSpc>
+              <a:spcBef>
+                <a:spcPts val="0"/>
+              </a:spcBef>
+              <a:spcAft>
+                <a:spcPts val="0"/>
+              </a:spcAft>
+              <a:buClr>
+                <a:srgbClr val="000000"/>
+              </a:buClr>
+              <a:buFont typeface="Arial"/>
+              <a:defRPr sz="1400" b="0" i="0" u="none" strike="noStrike" cap="none">
+                <a:solidFill>
+                  <a:srgbClr val="000000"/>
+                </a:solidFill>
+                <a:latin typeface="Arial"/>
+                <a:ea typeface="Arial"/>
+                <a:cs typeface="Arial"/>
+                <a:sym typeface="Arial"/>
+              </a:defRPr>
+            </a:lvl7pPr>
+            <a:lvl8pPr marR="0" lvl="7" algn="l" rtl="0">
+              <a:lnSpc>
+                <a:spcPct val="100000"/>
+              </a:lnSpc>
+              <a:spcBef>
+                <a:spcPts val="0"/>
+              </a:spcBef>
+              <a:spcAft>
+                <a:spcPts val="0"/>
+              </a:spcAft>
+              <a:buClr>
+                <a:srgbClr val="000000"/>
+              </a:buClr>
+              <a:buFont typeface="Arial"/>
+              <a:defRPr sz="1400" b="0" i="0" u="none" strike="noStrike" cap="none">
+                <a:solidFill>
+                  <a:srgbClr val="000000"/>
+                </a:solidFill>
+                <a:latin typeface="Arial"/>
+                <a:ea typeface="Arial"/>
+                <a:cs typeface="Arial"/>
+                <a:sym typeface="Arial"/>
+              </a:defRPr>
+            </a:lvl8pPr>
+            <a:lvl9pPr marR="0" lvl="8" algn="l" rtl="0">
+              <a:lnSpc>
+                <a:spcPct val="100000"/>
+              </a:lnSpc>
+              <a:spcBef>
+                <a:spcPts val="0"/>
+              </a:spcBef>
+              <a:spcAft>
+                <a:spcPts val="0"/>
+              </a:spcAft>
+              <a:buClr>
+                <a:srgbClr val="000000"/>
+              </a:buClr>
+              <a:buFont typeface="Arial"/>
+              <a:defRPr sz="1400" b="0" i="0" u="none" strike="noStrike" cap="none">
+                <a:solidFill>
+                  <a:srgbClr val="000000"/>
+                </a:solidFill>
+                <a:latin typeface="Arial"/>
+                <a:ea typeface="Arial"/>
+                <a:cs typeface="Arial"/>
+                <a:sym typeface="Arial"/>
+              </a:defRPr>
+            </a:lvl9pPr>
+          </a:lstStyle>
+          <a:p>
+            <a:r>
+              <a:rPr lang="en-US" b="1" u="sng" dirty="0"/>
+              <a:t>Lloyd McKenzie, P.Eng</a:t>
+            </a:r>
+            <a:r>
+              <a:rPr lang="en-US" dirty="0"/>
+              <a:t> HL7 Da Vinci Project Deputy Technical Director, CRD IG Lead, and Chief Standards Officer, Dogwood Health Consulting</a:t>
+            </a:r>
+          </a:p>
+          <a:p>
+            <a:endParaRPr lang="en-US" dirty="0"/>
+          </a:p>
+          <a:p>
+            <a:r>
+              <a:rPr lang="en-US" b="1" u="sng" dirty="0"/>
+              <a:t>Robert Dieterle</a:t>
+            </a:r>
+            <a:r>
+              <a:rPr lang="en-US" dirty="0"/>
+              <a:t> HL7 Da Vinci Project Sr. Advisor and Burden Reduction Lead, and CEO, EnableCare Group</a:t>
+            </a:r>
+          </a:p>
+        </p:txBody>
+      </p:sp>
     </p:spTree>
     <p:extLst>
       <p:ext uri="{BB962C8B-B14F-4D97-AF65-F5344CB8AC3E}">
@@ -5176,7 +5456,13 @@
   <p:cSld>
     <p:spTree>
       <p:nvGrpSpPr>
-        <p:cNvPr id="1" name=""/>
+        <p:cNvPr id="1" name="">
+          <a:extLst>
+            <a:ext uri="{FF2B5EF4-FFF2-40B4-BE49-F238E27FC236}">
+              <a16:creationId xmlns:a16="http://schemas.microsoft.com/office/drawing/2014/main" id="{F407637A-8DB3-C4B1-F10F-73ED0F847AC4}"/>
+            </a:ext>
+          </a:extLst>
+        </p:cNvPr>
         <p:cNvGrpSpPr/>
         <p:nvPr/>
       </p:nvGrpSpPr>
@@ -5193,7 +5479,7 @@
           <p:cNvPr id="5" name="Title 4">
             <a:extLst>
               <a:ext uri="{FF2B5EF4-FFF2-40B4-BE49-F238E27FC236}">
-                <a16:creationId xmlns:a16="http://schemas.microsoft.com/office/drawing/2014/main" id="{2D9F72D2-D238-0421-A1D0-272FA671D65C}"/>
+                <a16:creationId xmlns:a16="http://schemas.microsoft.com/office/drawing/2014/main" id="{5A2EE0B8-DA4D-13FD-8113-9DFF47397D44}"/>
               </a:ext>
             </a:extLst>
           </p:cNvPr>
@@ -5211,7 +5497,7 @@
           <a:p>
             <a:r>
               <a:rPr lang="en-CA" dirty="0"/>
-              <a:t>Questions?</a:t>
+              <a:t>Summing Up</a:t>
             </a:r>
           </a:p>
         </p:txBody>
@@ -5221,7 +5507,7 @@
           <p:cNvPr id="4" name="Slide Number Placeholder 3">
             <a:extLst>
               <a:ext uri="{FF2B5EF4-FFF2-40B4-BE49-F238E27FC236}">
-                <a16:creationId xmlns:a16="http://schemas.microsoft.com/office/drawing/2014/main" id="{3958DE4C-91BF-07A8-FC55-EB6434E17894}"/>
+                <a16:creationId xmlns:a16="http://schemas.microsoft.com/office/drawing/2014/main" id="{CB800637-A9EF-2E0C-BA8D-077D5BF6810D}"/>
               </a:ext>
             </a:extLst>
           </p:cNvPr>
@@ -5253,7 +5539,7 @@
     </p:spTree>
     <p:extLst>
       <p:ext uri="{BB962C8B-B14F-4D97-AF65-F5344CB8AC3E}">
-        <p14:creationId xmlns:p14="http://schemas.microsoft.com/office/powerpoint/2010/main" val="3871101739"/>
+        <p14:creationId xmlns:p14="http://schemas.microsoft.com/office/powerpoint/2010/main" val="3087477933"/>
       </p:ext>
     </p:extLst>
   </p:cSld>
@@ -5377,13 +5663,7 @@
   <p:cSld>
     <p:spTree>
       <p:nvGrpSpPr>
-        <p:cNvPr id="1" name="">
-          <a:extLst>
-            <a:ext uri="{FF2B5EF4-FFF2-40B4-BE49-F238E27FC236}">
-              <a16:creationId xmlns:a16="http://schemas.microsoft.com/office/drawing/2014/main" id="{F407637A-8DB3-C4B1-F10F-73ED0F847AC4}"/>
-            </a:ext>
-          </a:extLst>
-        </p:cNvPr>
+        <p:cNvPr id="1" name=""/>
         <p:cNvGrpSpPr/>
         <p:nvPr/>
       </p:nvGrpSpPr>
@@ -5400,7 +5680,7 @@
           <p:cNvPr id="5" name="Title 4">
             <a:extLst>
               <a:ext uri="{FF2B5EF4-FFF2-40B4-BE49-F238E27FC236}">
-                <a16:creationId xmlns:a16="http://schemas.microsoft.com/office/drawing/2014/main" id="{5A2EE0B8-DA4D-13FD-8113-9DFF47397D44}"/>
+                <a16:creationId xmlns:a16="http://schemas.microsoft.com/office/drawing/2014/main" id="{2D9F72D2-D238-0421-A1D0-272FA671D65C}"/>
               </a:ext>
             </a:extLst>
           </p:cNvPr>
@@ -5418,7 +5698,7 @@
           <a:p>
             <a:r>
               <a:rPr lang="en-CA" dirty="0"/>
-              <a:t>Summing Up</a:t>
+              <a:t>Questions?</a:t>
             </a:r>
           </a:p>
         </p:txBody>
@@ -5428,7 +5708,7 @@
           <p:cNvPr id="4" name="Slide Number Placeholder 3">
             <a:extLst>
               <a:ext uri="{FF2B5EF4-FFF2-40B4-BE49-F238E27FC236}">
-                <a16:creationId xmlns:a16="http://schemas.microsoft.com/office/drawing/2014/main" id="{CB800637-A9EF-2E0C-BA8D-077D5BF6810D}"/>
+                <a16:creationId xmlns:a16="http://schemas.microsoft.com/office/drawing/2014/main" id="{3958DE4C-91BF-07A8-FC55-EB6434E17894}"/>
               </a:ext>
             </a:extLst>
           </p:cNvPr>
@@ -5460,7 +5740,7 @@
     </p:spTree>
     <p:extLst>
       <p:ext uri="{BB962C8B-B14F-4D97-AF65-F5344CB8AC3E}">
-        <p14:creationId xmlns:p14="http://schemas.microsoft.com/office/powerpoint/2010/main" val="3087477933"/>
+        <p14:creationId xmlns:p14="http://schemas.microsoft.com/office/powerpoint/2010/main" val="3871101739"/>
       </p:ext>
     </p:extLst>
   </p:cSld>
@@ -7451,64 +7731,6 @@
 </file>
 
 <file path=customXml/item2.xml><?xml version="1.0" encoding="utf-8"?>
-<p:properties xmlns:p="http://schemas.microsoft.com/office/2006/metadata/properties" xmlns:xsi="http://www.w3.org/2001/XMLSchema-instance" xmlns:pc="http://schemas.microsoft.com/office/infopath/2007/PartnerControls">
-  <documentManagement>
-    <SharedWithUsers xmlns="cf5a87e6-8225-499d-8aa7-664ff23f0528">
-      <UserInfo>
-        <DisplayName>Kathy Moncelsi</DisplayName>
-        <AccountId>117</AccountId>
-        <AccountType/>
-      </UserInfo>
-      <UserInfo>
-        <DisplayName>Vanessa Candelora</DisplayName>
-        <AccountId>7525</AccountId>
-        <AccountType/>
-      </UserInfo>
-      <UserInfo>
-        <DisplayName>Phung Matthews</DisplayName>
-        <AccountId>7256</AccountId>
-        <AccountType/>
-      </UserInfo>
-      <UserInfo>
-        <DisplayName>Jordyn King</DisplayName>
-        <AccountId>6166</AccountId>
-        <AccountType/>
-      </UserInfo>
-      <UserInfo>
-        <DisplayName>Pooja Babbrah</DisplayName>
-        <AccountId>63</AccountId>
-        <AccountType/>
-      </UserInfo>
-      <UserInfo>
-        <DisplayName>Frank McKinney</DisplayName>
-        <AccountId>6074</AccountId>
-        <AccountType/>
-      </UserInfo>
-      <UserInfo>
-        <DisplayName>Amy Johnson</DisplayName>
-        <AccountId>281</AccountId>
-        <AccountType/>
-      </UserInfo>
-      <UserInfo>
-        <DisplayName>Michael Solomon</DisplayName>
-        <AccountId>78</AccountId>
-        <AccountType/>
-      </UserInfo>
-      <UserInfo>
-        <DisplayName>Tony Schueth</DisplayName>
-        <AccountId>24</AccountId>
-        <AccountType/>
-      </UserInfo>
-    </SharedWithUsers>
-    <TaxCatchAll xmlns="cf5a87e6-8225-499d-8aa7-664ff23f0528" xsi:nil="true"/>
-    <lcf76f155ced4ddcb4097134ff3c332f xmlns="9f94fe76-4e69-4a06-93ce-361b54a8e543">
-      <Terms xmlns="http://schemas.microsoft.com/office/infopath/2007/PartnerControls"/>
-    </lcf76f155ced4ddcb4097134ff3c332f>
-  </documentManagement>
-</p:properties>
-</file>
-
-<file path=customXml/item3.xml><?xml version="1.0" encoding="utf-8"?>
 <ct:contentTypeSchema xmlns:ct="http://schemas.microsoft.com/office/2006/metadata/contentType" xmlns:ma="http://schemas.microsoft.com/office/2006/metadata/properties/metaAttributes" ct:_="" ma:_="" ma:contentTypeName="Document" ma:contentTypeID="0x0101002C8FC9818E7A2340A2B524F46111FD15" ma:contentTypeVersion="19" ma:contentTypeDescription="Create a new document." ma:contentTypeScope="" ma:versionID="7ef9a8bc46a14bfd553da3a3e6695c4d">
   <xsd:schema xmlns:xsd="http://www.w3.org/2001/XMLSchema" xmlns:xs="http://www.w3.org/2001/XMLSchema" xmlns:p="http://schemas.microsoft.com/office/2006/metadata/properties" xmlns:ns2="9f94fe76-4e69-4a06-93ce-361b54a8e543" xmlns:ns3="cf5a87e6-8225-499d-8aa7-664ff23f0528" targetNamespace="http://schemas.microsoft.com/office/2006/metadata/properties" ma:root="true" ma:fieldsID="580938c8cdc1ed620302479102261575" ns2:_="" ns3:_="">
     <xsd:import namespace="9f94fe76-4e69-4a06-93ce-361b54a8e543"/>
@@ -7763,6 +7985,64 @@
 </ct:contentTypeSchema>
 </file>
 
+<file path=customXml/item3.xml><?xml version="1.0" encoding="utf-8"?>
+<p:properties xmlns:p="http://schemas.microsoft.com/office/2006/metadata/properties" xmlns:xsi="http://www.w3.org/2001/XMLSchema-instance" xmlns:pc="http://schemas.microsoft.com/office/infopath/2007/PartnerControls">
+  <documentManagement>
+    <SharedWithUsers xmlns="cf5a87e6-8225-499d-8aa7-664ff23f0528">
+      <UserInfo>
+        <DisplayName>Kathy Moncelsi</DisplayName>
+        <AccountId>117</AccountId>
+        <AccountType/>
+      </UserInfo>
+      <UserInfo>
+        <DisplayName>Vanessa Candelora</DisplayName>
+        <AccountId>7525</AccountId>
+        <AccountType/>
+      </UserInfo>
+      <UserInfo>
+        <DisplayName>Phung Matthews</DisplayName>
+        <AccountId>7256</AccountId>
+        <AccountType/>
+      </UserInfo>
+      <UserInfo>
+        <DisplayName>Jordyn King</DisplayName>
+        <AccountId>6166</AccountId>
+        <AccountType/>
+      </UserInfo>
+      <UserInfo>
+        <DisplayName>Pooja Babbrah</DisplayName>
+        <AccountId>63</AccountId>
+        <AccountType/>
+      </UserInfo>
+      <UserInfo>
+        <DisplayName>Frank McKinney</DisplayName>
+        <AccountId>6074</AccountId>
+        <AccountType/>
+      </UserInfo>
+      <UserInfo>
+        <DisplayName>Amy Johnson</DisplayName>
+        <AccountId>281</AccountId>
+        <AccountType/>
+      </UserInfo>
+      <UserInfo>
+        <DisplayName>Michael Solomon</DisplayName>
+        <AccountId>78</AccountId>
+        <AccountType/>
+      </UserInfo>
+      <UserInfo>
+        <DisplayName>Tony Schueth</DisplayName>
+        <AccountId>24</AccountId>
+        <AccountType/>
+      </UserInfo>
+    </SharedWithUsers>
+    <TaxCatchAll xmlns="cf5a87e6-8225-499d-8aa7-664ff23f0528" xsi:nil="true"/>
+    <lcf76f155ced4ddcb4097134ff3c332f xmlns="9f94fe76-4e69-4a06-93ce-361b54a8e543">
+      <Terms xmlns="http://schemas.microsoft.com/office/infopath/2007/PartnerControls"/>
+    </lcf76f155ced4ddcb4097134ff3c332f>
+  </documentManagement>
+</p:properties>
+</file>
+
 <file path=customXml/itemProps1.xml><?xml version="1.0" encoding="utf-8"?>
 <ds:datastoreItem xmlns:ds="http://schemas.openxmlformats.org/officeDocument/2006/customXml" ds:itemID="{0BA6B2E7-CD55-478D-BEC8-4794A5943CF4}">
   <ds:schemaRefs>
@@ -7772,23 +8052,6 @@
 </file>
 
 <file path=customXml/itemProps2.xml><?xml version="1.0" encoding="utf-8"?>
-<ds:datastoreItem xmlns:ds="http://schemas.openxmlformats.org/officeDocument/2006/customXml" ds:itemID="{ABC3541C-51DD-43E3-8C9A-56AC6823A20C}">
-  <ds:schemaRefs>
-    <ds:schemaRef ds:uri="9f94fe76-4e69-4a06-93ce-361b54a8e543"/>
-    <ds:schemaRef ds:uri="cf5a87e6-8225-499d-8aa7-664ff23f0528"/>
-    <ds:schemaRef ds:uri="http://purl.org/dc/dcmitype/"/>
-    <ds:schemaRef ds:uri="http://purl.org/dc/elements/1.1/"/>
-    <ds:schemaRef ds:uri="http://purl.org/dc/terms/"/>
-    <ds:schemaRef ds:uri="http://schemas.microsoft.com/office/2006/documentManagement/types"/>
-    <ds:schemaRef ds:uri="http://schemas.microsoft.com/office/2006/metadata/properties"/>
-    <ds:schemaRef ds:uri="http://schemas.microsoft.com/office/infopath/2007/PartnerControls"/>
-    <ds:schemaRef ds:uri="http://schemas.openxmlformats.org/package/2006/metadata/core-properties"/>
-    <ds:schemaRef ds:uri="http://www.w3.org/XML/1998/namespace"/>
-  </ds:schemaRefs>
-</ds:datastoreItem>
-</file>
-
-<file path=customXml/itemProps3.xml><?xml version="1.0" encoding="utf-8"?>
 <ds:datastoreItem xmlns:ds="http://schemas.openxmlformats.org/officeDocument/2006/customXml" ds:itemID="{75D6C950-6891-4B9F-8042-EAAA803A1D70}">
   <ds:schemaRefs>
     <ds:schemaRef ds:uri="9f94fe76-4e69-4a06-93ce-361b54a8e543"/>
@@ -7805,4 +8068,21 @@
     <ds:schemaRef ds:uri="http://www.w3.org/2001/XMLSchema"/>
   </ds:schemaRefs>
 </ds:datastoreItem>
+</file>
+
+<file path=customXml/itemProps3.xml><?xml version="1.0" encoding="utf-8"?>
+<ds:datastoreItem xmlns:ds="http://schemas.openxmlformats.org/officeDocument/2006/customXml" ds:itemID="{ABC3541C-51DD-43E3-8C9A-56AC6823A20C}">
+  <ds:schemaRefs>
+    <ds:schemaRef ds:uri="9f94fe76-4e69-4a06-93ce-361b54a8e543"/>
+    <ds:schemaRef ds:uri="cf5a87e6-8225-499d-8aa7-664ff23f0528"/>
+    <ds:schemaRef ds:uri="http://purl.org/dc/dcmitype/"/>
+    <ds:schemaRef ds:uri="http://purl.org/dc/elements/1.1/"/>
+    <ds:schemaRef ds:uri="http://purl.org/dc/terms/"/>
+    <ds:schemaRef ds:uri="http://schemas.microsoft.com/office/2006/documentManagement/types"/>
+    <ds:schemaRef ds:uri="http://schemas.microsoft.com/office/2006/metadata/properties"/>
+    <ds:schemaRef ds:uri="http://schemas.microsoft.com/office/infopath/2007/PartnerControls"/>
+    <ds:schemaRef ds:uri="http://schemas.openxmlformats.org/package/2006/metadata/core-properties"/>
+    <ds:schemaRef ds:uri="http://www.w3.org/XML/1998/namespace"/>
+  </ds:schemaRefs>
+</ds:datastoreItem>
 </file>